--- a/Lesson07/Python-L1-07.pptx
+++ b/Lesson07/Python-L1-07.pptx
@@ -123,6 +123,7 @@
 <file path=ppt/revisionInfo.xml><?xml version="1.0" encoding="utf-8"?>
 <p1510:revInfo xmlns:a="http://schemas.openxmlformats.org/drawingml/2006/main" xmlns:r="http://schemas.openxmlformats.org/officeDocument/2006/relationships" xmlns:p1510="http://schemas.microsoft.com/office/powerpoint/2015/10/main">
   <p1510:revLst>
+    <p1510:client id="{36E996B2-A0C1-45FE-BA74-36E4EB1CC180}" v="1" dt="2025-07-08T20:52:13.325"/>
     <p1510:client id="{83723D64-ABD2-4A30-98D4-9AD9F0DBAFB9}" v="26" dt="2025-07-08T16:02:11.493"/>
   </p1510:revLst>
 </p1510:revInfo>
